--- a/tutorial/T02/tut02.pptx
+++ b/tutorial/T02/tut02.pptx
@@ -213,7 +213,7 @@
           <a:p>
             <a:fld id="{90751E9F-A845-4914-A3CC-CC345012599B}" type="datetimeFigureOut">
               <a:rPr lang="en-US" smtClean="0"/>
-              <a:t>1/18/2023</a:t>
+              <a:t>1/19/2023</a:t>
             </a:fld>
             <a:endParaRPr lang="en-US"/>
           </a:p>
@@ -1988,7 +1988,7 @@
           <a:p>
             <a:fld id="{2BC46B07-C44E-4000-8B7A-1B9F5FADE757}" type="datetimeFigureOut">
               <a:rPr lang="en-US" smtClean="0"/>
-              <a:t>1/18/2023</a:t>
+              <a:t>1/19/2023</a:t>
             </a:fld>
             <a:endParaRPr lang="en-US"/>
           </a:p>
@@ -2188,7 +2188,7 @@
           <a:p>
             <a:fld id="{2BC46B07-C44E-4000-8B7A-1B9F5FADE757}" type="datetimeFigureOut">
               <a:rPr lang="en-US" smtClean="0"/>
-              <a:t>1/18/2023</a:t>
+              <a:t>1/19/2023</a:t>
             </a:fld>
             <a:endParaRPr lang="en-US"/>
           </a:p>
@@ -2398,7 +2398,7 @@
           <a:p>
             <a:fld id="{2BC46B07-C44E-4000-8B7A-1B9F5FADE757}" type="datetimeFigureOut">
               <a:rPr lang="en-US" smtClean="0"/>
-              <a:t>1/18/2023</a:t>
+              <a:t>1/19/2023</a:t>
             </a:fld>
             <a:endParaRPr lang="en-US"/>
           </a:p>
@@ -2598,7 +2598,7 @@
           <a:p>
             <a:fld id="{2BC46B07-C44E-4000-8B7A-1B9F5FADE757}" type="datetimeFigureOut">
               <a:rPr lang="en-US" smtClean="0"/>
-              <a:t>1/18/2023</a:t>
+              <a:t>1/19/2023</a:t>
             </a:fld>
             <a:endParaRPr lang="en-US"/>
           </a:p>
@@ -2874,7 +2874,7 @@
           <a:p>
             <a:fld id="{2BC46B07-C44E-4000-8B7A-1B9F5FADE757}" type="datetimeFigureOut">
               <a:rPr lang="en-US" smtClean="0"/>
-              <a:t>1/18/2023</a:t>
+              <a:t>1/19/2023</a:t>
             </a:fld>
             <a:endParaRPr lang="en-US"/>
           </a:p>
@@ -3142,7 +3142,7 @@
           <a:p>
             <a:fld id="{2BC46B07-C44E-4000-8B7A-1B9F5FADE757}" type="datetimeFigureOut">
               <a:rPr lang="en-US" smtClean="0"/>
-              <a:t>1/18/2023</a:t>
+              <a:t>1/19/2023</a:t>
             </a:fld>
             <a:endParaRPr lang="en-US"/>
           </a:p>
@@ -3557,7 +3557,7 @@
           <a:p>
             <a:fld id="{2BC46B07-C44E-4000-8B7A-1B9F5FADE757}" type="datetimeFigureOut">
               <a:rPr lang="en-US" smtClean="0"/>
-              <a:t>1/18/2023</a:t>
+              <a:t>1/19/2023</a:t>
             </a:fld>
             <a:endParaRPr lang="en-US"/>
           </a:p>
@@ -3699,7 +3699,7 @@
           <a:p>
             <a:fld id="{2BC46B07-C44E-4000-8B7A-1B9F5FADE757}" type="datetimeFigureOut">
               <a:rPr lang="en-US" smtClean="0"/>
-              <a:t>1/18/2023</a:t>
+              <a:t>1/19/2023</a:t>
             </a:fld>
             <a:endParaRPr lang="en-US"/>
           </a:p>
@@ -3812,7 +3812,7 @@
           <a:p>
             <a:fld id="{2BC46B07-C44E-4000-8B7A-1B9F5FADE757}" type="datetimeFigureOut">
               <a:rPr lang="en-US" smtClean="0"/>
-              <a:t>1/18/2023</a:t>
+              <a:t>1/19/2023</a:t>
             </a:fld>
             <a:endParaRPr lang="en-US"/>
           </a:p>
@@ -4125,7 +4125,7 @@
           <a:p>
             <a:fld id="{2BC46B07-C44E-4000-8B7A-1B9F5FADE757}" type="datetimeFigureOut">
               <a:rPr lang="en-US" smtClean="0"/>
-              <a:t>1/18/2023</a:t>
+              <a:t>1/19/2023</a:t>
             </a:fld>
             <a:endParaRPr lang="en-US"/>
           </a:p>
@@ -4414,7 +4414,7 @@
           <a:p>
             <a:fld id="{2BC46B07-C44E-4000-8B7A-1B9F5FADE757}" type="datetimeFigureOut">
               <a:rPr lang="en-US" smtClean="0"/>
-              <a:t>1/18/2023</a:t>
+              <a:t>1/19/2023</a:t>
             </a:fld>
             <a:endParaRPr lang="en-US"/>
           </a:p>
@@ -4657,7 +4657,7 @@
           <a:p>
             <a:fld id="{2BC46B07-C44E-4000-8B7A-1B9F5FADE757}" type="datetimeFigureOut">
               <a:rPr lang="en-US" smtClean="0"/>
-              <a:t>1/18/2023</a:t>
+              <a:t>1/19/2023</a:t>
             </a:fld>
             <a:endParaRPr lang="en-US"/>
           </a:p>
@@ -5183,7 +5183,7 @@
                   </a:schemeClr>
                 </a:solidFill>
               </a:rPr>
-              <a:t>Jan 12, 2023</a:t>
+              <a:t>Jan 19, 2023</a:t>
             </a:r>
             <a:endParaRPr lang="en-US" sz="3200" dirty="0">
               <a:solidFill>

--- a/tutorial/T02/tut02.pptx
+++ b/tutorial/T02/tut02.pptx
@@ -144,7 +144,7 @@
   <pc:docChgLst>
     <pc:chgData name="Shaofeng Wu" userId="16cc59afe9483dd5" providerId="LiveId" clId="{DEF51348-0BAF-479E-9880-C2E925FD9E89}"/>
     <pc:docChg chg="undo redo custSel addSld delSld modSld sldOrd delMainMaster">
-      <pc:chgData name="Shaofeng Wu" userId="16cc59afe9483dd5" providerId="LiveId" clId="{DEF51348-0BAF-479E-9880-C2E925FD9E89}" dt="2024-09-09T04:29:58.425" v="3802" actId="15"/>
+      <pc:chgData name="Shaofeng Wu" userId="16cc59afe9483dd5" providerId="LiveId" clId="{DEF51348-0BAF-479E-9880-C2E925FD9E89}" dt="2024-09-11T13:40:35.447" v="3805" actId="20577"/>
       <pc:docMkLst>
         <pc:docMk/>
       </pc:docMkLst>
@@ -697,7 +697,7 @@
         </pc:picChg>
       </pc:sldChg>
       <pc:sldChg chg="addSp delSp modSp add mod">
-        <pc:chgData name="Shaofeng Wu" userId="16cc59afe9483dd5" providerId="LiveId" clId="{DEF51348-0BAF-479E-9880-C2E925FD9E89}" dt="2024-09-09T04:28:41.300" v="3628" actId="20577"/>
+        <pc:chgData name="Shaofeng Wu" userId="16cc59afe9483dd5" providerId="LiveId" clId="{DEF51348-0BAF-479E-9880-C2E925FD9E89}" dt="2024-09-11T13:40:28.603" v="3803" actId="20577"/>
         <pc:sldMkLst>
           <pc:docMk/>
           <pc:sldMk cId="428381363" sldId="625"/>
@@ -711,7 +711,7 @@
           </ac:spMkLst>
         </pc:spChg>
         <pc:spChg chg="mod">
-          <ac:chgData name="Shaofeng Wu" userId="16cc59afe9483dd5" providerId="LiveId" clId="{DEF51348-0BAF-479E-9880-C2E925FD9E89}" dt="2024-09-06T11:20:23.776" v="830" actId="20577"/>
+          <ac:chgData name="Shaofeng Wu" userId="16cc59afe9483dd5" providerId="LiveId" clId="{DEF51348-0BAF-479E-9880-C2E925FD9E89}" dt="2024-09-11T13:40:28.603" v="3803" actId="20577"/>
           <ac:spMkLst>
             <pc:docMk/>
             <pc:sldMk cId="428381363" sldId="625"/>
@@ -845,7 +845,7 @@
         </pc:spChg>
       </pc:sldChg>
       <pc:sldChg chg="addSp delSp modSp add mod">
-        <pc:chgData name="Shaofeng Wu" userId="16cc59afe9483dd5" providerId="LiveId" clId="{DEF51348-0BAF-479E-9880-C2E925FD9E89}" dt="2024-09-09T04:28:39.688" v="3627" actId="20577"/>
+        <pc:chgData name="Shaofeng Wu" userId="16cc59afe9483dd5" providerId="LiveId" clId="{DEF51348-0BAF-479E-9880-C2E925FD9E89}" dt="2024-09-11T13:40:33.286" v="3804" actId="20577"/>
         <pc:sldMkLst>
           <pc:docMk/>
           <pc:sldMk cId="209577674" sldId="629"/>
@@ -859,7 +859,7 @@
           </ac:spMkLst>
         </pc:spChg>
         <pc:spChg chg="mod">
-          <ac:chgData name="Shaofeng Wu" userId="16cc59afe9483dd5" providerId="LiveId" clId="{DEF51348-0BAF-479E-9880-C2E925FD9E89}" dt="2024-09-06T11:24:13.929" v="1066" actId="20577"/>
+          <ac:chgData name="Shaofeng Wu" userId="16cc59afe9483dd5" providerId="LiveId" clId="{DEF51348-0BAF-479E-9880-C2E925FD9E89}" dt="2024-09-11T13:40:33.286" v="3804" actId="20577"/>
           <ac:spMkLst>
             <pc:docMk/>
             <pc:sldMk cId="209577674" sldId="629"/>
@@ -892,7 +892,7 @@
         </pc:picChg>
       </pc:sldChg>
       <pc:sldChg chg="addSp delSp modSp add mod">
-        <pc:chgData name="Shaofeng Wu" userId="16cc59afe9483dd5" providerId="LiveId" clId="{DEF51348-0BAF-479E-9880-C2E925FD9E89}" dt="2024-09-09T04:28:38.308" v="3626" actId="20577"/>
+        <pc:chgData name="Shaofeng Wu" userId="16cc59afe9483dd5" providerId="LiveId" clId="{DEF51348-0BAF-479E-9880-C2E925FD9E89}" dt="2024-09-11T13:40:35.447" v="3805" actId="20577"/>
         <pc:sldMkLst>
           <pc:docMk/>
           <pc:sldMk cId="1812584439" sldId="630"/>
@@ -906,7 +906,7 @@
           </ac:spMkLst>
         </pc:spChg>
         <pc:spChg chg="mod">
-          <ac:chgData name="Shaofeng Wu" userId="16cc59afe9483dd5" providerId="LiveId" clId="{DEF51348-0BAF-479E-9880-C2E925FD9E89}" dt="2024-09-06T12:20:37.523" v="1648" actId="207"/>
+          <ac:chgData name="Shaofeng Wu" userId="16cc59afe9483dd5" providerId="LiveId" clId="{DEF51348-0BAF-479E-9880-C2E925FD9E89}" dt="2024-09-11T13:40:35.447" v="3805" actId="20577"/>
           <ac:spMkLst>
             <pc:docMk/>
             <pc:sldMk cId="1812584439" sldId="630"/>
@@ -1549,7 +1549,7 @@
           <a:p>
             <a:fld id="{90751E9F-A845-4914-A3CC-CC345012599B}" type="datetimeFigureOut">
               <a:rPr lang="en-US" smtClean="0"/>
-              <a:t>9/9/2024</a:t>
+              <a:t>9/11/2024</a:t>
             </a:fld>
             <a:endParaRPr lang="en-US"/>
           </a:p>
@@ -3969,7 +3969,7 @@
           <a:p>
             <a:fld id="{4110DD41-9B81-A544-8498-92133950A0E4}" type="datetime1">
               <a:rPr lang="en-US" smtClean="0"/>
-              <a:t>9/9/2024</a:t>
+              <a:t>9/11/2024</a:t>
             </a:fld>
             <a:endParaRPr lang="en-US"/>
           </a:p>
@@ -5411,7 +5411,7 @@
           </a:ln>
           <a:extLst>
             <a:ext uri="{C572A759-6A51-4108-AA02-DFA0A04FC94B}">
-              <ma14:wrappingTextBoxFlag xmlns:m="http://schemas.openxmlformats.org/officeDocument/2006/math" xmlns:a14="http://schemas.microsoft.com/office/drawing/2010/main" xmlns:ma14="http://schemas.microsoft.com/office/mac/drawingml/2011/main" xmlns="" val="1"/>
+              <ma14:wrappingTextBoxFlag xmlns="" xmlns:ma14="http://schemas.microsoft.com/office/mac/drawingml/2011/main" xmlns:a14="http://schemas.microsoft.com/office/drawing/2010/main" xmlns:m="http://schemas.openxmlformats.org/officeDocument/2006/math" val="1"/>
             </a:ext>
           </a:extLst>
         </p:spPr>
@@ -5450,7 +5450,7 @@
           </a:ln>
           <a:extLst>
             <a:ext uri="{C572A759-6A51-4108-AA02-DFA0A04FC94B}">
-              <ma14:wrappingTextBoxFlag xmlns:m="http://schemas.openxmlformats.org/officeDocument/2006/math" xmlns:a14="http://schemas.microsoft.com/office/drawing/2010/main" xmlns:ma14="http://schemas.microsoft.com/office/mac/drawingml/2011/main" xmlns="" val="1"/>
+              <ma14:wrappingTextBoxFlag xmlns="" xmlns:ma14="http://schemas.microsoft.com/office/mac/drawingml/2011/main" xmlns:a14="http://schemas.microsoft.com/office/drawing/2010/main" xmlns:m="http://schemas.openxmlformats.org/officeDocument/2006/math" val="1"/>
             </a:ext>
           </a:extLst>
         </p:spPr>
@@ -15138,19 +15138,7 @@
               <a:rPr lang="en-US" altLang="zh-CN" sz="2600" b="1" dirty="0">
                 <a:cs typeface="Helvetica"/>
               </a:rPr>
-              <a:t>/</a:t>
-            </a:r>
-            <a:r>
-              <a:rPr lang="en-US" altLang="zh-CN" sz="2600" b="1" dirty="0" err="1">
-                <a:cs typeface="Helvetica"/>
-              </a:rPr>
-              <a:t>exeternal</a:t>
-            </a:r>
-            <a:r>
-              <a:rPr lang="en-US" altLang="zh-CN" sz="2600" b="1" dirty="0">
-                <a:cs typeface="Helvetica"/>
-              </a:rPr>
-              <a:t> commands</a:t>
+              <a:t>/external commands</a:t>
             </a:r>
           </a:p>
           <a:p>
@@ -15543,19 +15531,7 @@
               <a:rPr lang="en-US" altLang="zh-CN" sz="2600" b="1" dirty="0">
                 <a:cs typeface="Helvetica"/>
               </a:rPr>
-              <a:t>/</a:t>
-            </a:r>
-            <a:r>
-              <a:rPr lang="en-US" altLang="zh-CN" sz="2600" b="1" dirty="0" err="1">
-                <a:cs typeface="Helvetica"/>
-              </a:rPr>
-              <a:t>exeternal</a:t>
-            </a:r>
-            <a:r>
-              <a:rPr lang="en-US" altLang="zh-CN" sz="2600" b="1" dirty="0">
-                <a:cs typeface="Helvetica"/>
-              </a:rPr>
-              <a:t> commands</a:t>
+              <a:t>/external commands</a:t>
             </a:r>
           </a:p>
           <a:p>
@@ -16054,19 +16030,7 @@
               <a:rPr lang="en-US" altLang="zh-CN" sz="2600" b="1" dirty="0">
                 <a:cs typeface="Helvetica"/>
               </a:rPr>
-              <a:t>/</a:t>
-            </a:r>
-            <a:r>
-              <a:rPr lang="en-US" altLang="zh-CN" sz="2600" b="1" dirty="0" err="1">
-                <a:cs typeface="Helvetica"/>
-              </a:rPr>
-              <a:t>exeternal</a:t>
-            </a:r>
-            <a:r>
-              <a:rPr lang="en-US" altLang="zh-CN" sz="2600" b="1" dirty="0">
-                <a:cs typeface="Helvetica"/>
-              </a:rPr>
-              <a:t> commands</a:t>
+              <a:t>/external commands</a:t>
             </a:r>
           </a:p>
           <a:p>
